--- a/BDIIIA10.pptx
+++ b/BDIIIA10.pptx
@@ -323,7 +323,7 @@
             <a:fld id="{B61BEF0D-F0BB-DE4B-95CE-6DB70DBA9567}" type="datetimeFigureOut">
               <a:rPr lang="en-US" dirty="0"/>
               <a:pPr/>
-              <a:t>5/19/2021</a:t>
+              <a:t>5/20/2021</a:t>
             </a:fld>
             <a:endParaRPr lang="en-US" dirty="0"/>
           </a:p>
@@ -756,7 +756,7 @@
             <a:fld id="{B61BEF0D-F0BB-DE4B-95CE-6DB70DBA9567}" type="datetimeFigureOut">
               <a:rPr lang="en-US" dirty="0"/>
               <a:pPr/>
-              <a:t>5/19/2021</a:t>
+              <a:t>5/20/2021</a:t>
             </a:fld>
             <a:endParaRPr lang="en-US" dirty="0"/>
           </a:p>
@@ -1003,7 +1003,7 @@
             <a:fld id="{B61BEF0D-F0BB-DE4B-95CE-6DB70DBA9567}" type="datetimeFigureOut">
               <a:rPr lang="en-US" dirty="0"/>
               <a:pPr/>
-              <a:t>5/19/2021</a:t>
+              <a:t>5/20/2021</a:t>
             </a:fld>
             <a:endParaRPr lang="en-US" dirty="0"/>
           </a:p>
@@ -1308,7 +1308,7 @@
             <a:fld id="{B61BEF0D-F0BB-DE4B-95CE-6DB70DBA9567}" type="datetimeFigureOut">
               <a:rPr lang="en-US" dirty="0"/>
               <a:pPr/>
-              <a:t>5/19/2021</a:t>
+              <a:t>5/20/2021</a:t>
             </a:fld>
             <a:endParaRPr lang="en-US" dirty="0"/>
           </a:p>
@@ -1623,7 +1623,7 @@
             <a:fld id="{B61BEF0D-F0BB-DE4B-95CE-6DB70DBA9567}" type="datetimeFigureOut">
               <a:rPr lang="en-US" dirty="0"/>
               <a:pPr/>
-              <a:t>5/19/2021</a:t>
+              <a:t>5/20/2021</a:t>
             </a:fld>
             <a:endParaRPr lang="en-US" dirty="0"/>
           </a:p>
@@ -1922,7 +1922,7 @@
             <a:fld id="{B61BEF0D-F0BB-DE4B-95CE-6DB70DBA9567}" type="datetimeFigureOut">
               <a:rPr lang="en-US" dirty="0"/>
               <a:pPr/>
-              <a:t>5/19/2021</a:t>
+              <a:t>5/20/2021</a:t>
             </a:fld>
             <a:endParaRPr lang="en-US" dirty="0"/>
           </a:p>
@@ -2286,7 +2286,7 @@
             <a:fld id="{B61BEF0D-F0BB-DE4B-95CE-6DB70DBA9567}" type="datetimeFigureOut">
               <a:rPr lang="en-US" dirty="0"/>
               <a:pPr/>
-              <a:t>5/19/2021</a:t>
+              <a:t>5/20/2021</a:t>
             </a:fld>
             <a:endParaRPr lang="en-US" dirty="0"/>
           </a:p>
@@ -2457,7 +2457,7 @@
             <a:fld id="{B61BEF0D-F0BB-DE4B-95CE-6DB70DBA9567}" type="datetimeFigureOut">
               <a:rPr lang="en-US" dirty="0"/>
               <a:pPr/>
-              <a:t>5/19/2021</a:t>
+              <a:t>5/20/2021</a:t>
             </a:fld>
             <a:endParaRPr lang="en-US" dirty="0"/>
           </a:p>
@@ -2634,7 +2634,7 @@
             <a:fld id="{B61BEF0D-F0BB-DE4B-95CE-6DB70DBA9567}" type="datetimeFigureOut">
               <a:rPr lang="en-US" dirty="0"/>
               <a:pPr/>
-              <a:t>5/19/2021</a:t>
+              <a:t>5/20/2021</a:t>
             </a:fld>
             <a:endParaRPr lang="en-US" dirty="0"/>
           </a:p>
@@ -2801,7 +2801,7 @@
             <a:fld id="{B61BEF0D-F0BB-DE4B-95CE-6DB70DBA9567}" type="datetimeFigureOut">
               <a:rPr lang="en-US" dirty="0"/>
               <a:pPr/>
-              <a:t>5/19/2021</a:t>
+              <a:t>5/20/2021</a:t>
             </a:fld>
             <a:endParaRPr lang="en-US" dirty="0"/>
           </a:p>
@@ -3048,7 +3048,7 @@
             <a:fld id="{B61BEF0D-F0BB-DE4B-95CE-6DB70DBA9567}" type="datetimeFigureOut">
               <a:rPr lang="en-US" dirty="0"/>
               <a:pPr/>
-              <a:t>5/19/2021</a:t>
+              <a:t>5/20/2021</a:t>
             </a:fld>
             <a:endParaRPr lang="en-US" dirty="0"/>
           </a:p>
@@ -3281,7 +3281,7 @@
             <a:fld id="{B61BEF0D-F0BB-DE4B-95CE-6DB70DBA9567}" type="datetimeFigureOut">
               <a:rPr lang="en-US" dirty="0"/>
               <a:pPr/>
-              <a:t>5/19/2021</a:t>
+              <a:t>5/20/2021</a:t>
             </a:fld>
             <a:endParaRPr lang="en-US" dirty="0"/>
           </a:p>
@@ -3660,7 +3660,7 @@
             <a:fld id="{B61BEF0D-F0BB-DE4B-95CE-6DB70DBA9567}" type="datetimeFigureOut">
               <a:rPr lang="en-US" dirty="0"/>
               <a:pPr/>
-              <a:t>5/19/2021</a:t>
+              <a:t>5/20/2021</a:t>
             </a:fld>
             <a:endParaRPr lang="en-US" dirty="0"/>
           </a:p>
@@ -3775,7 +3775,7 @@
             <a:fld id="{B61BEF0D-F0BB-DE4B-95CE-6DB70DBA9567}" type="datetimeFigureOut">
               <a:rPr lang="en-US" dirty="0"/>
               <a:pPr/>
-              <a:t>5/19/2021</a:t>
+              <a:t>5/20/2021</a:t>
             </a:fld>
             <a:endParaRPr lang="en-US" dirty="0"/>
           </a:p>
@@ -3867,7 +3867,7 @@
             <a:fld id="{B61BEF0D-F0BB-DE4B-95CE-6DB70DBA9567}" type="datetimeFigureOut">
               <a:rPr lang="en-US" dirty="0"/>
               <a:pPr/>
-              <a:t>5/19/2021</a:t>
+              <a:t>5/20/2021</a:t>
             </a:fld>
             <a:endParaRPr lang="en-US" dirty="0"/>
           </a:p>
@@ -4119,7 +4119,7 @@
             <a:fld id="{B61BEF0D-F0BB-DE4B-95CE-6DB70DBA9567}" type="datetimeFigureOut">
               <a:rPr lang="en-US" dirty="0"/>
               <a:pPr/>
-              <a:t>5/19/2021</a:t>
+              <a:t>5/20/2021</a:t>
             </a:fld>
             <a:endParaRPr lang="en-US" dirty="0"/>
           </a:p>
@@ -4399,7 +4399,7 @@
             <a:fld id="{B61BEF0D-F0BB-DE4B-95CE-6DB70DBA9567}" type="datetimeFigureOut">
               <a:rPr lang="en-US" dirty="0"/>
               <a:pPr/>
-              <a:t>5/19/2021</a:t>
+              <a:t>5/20/2021</a:t>
             </a:fld>
             <a:endParaRPr lang="en-US" dirty="0"/>
           </a:p>
@@ -4802,7 +4802,7 @@
             <a:fld id="{B61BEF0D-F0BB-DE4B-95CE-6DB70DBA9567}" type="datetimeFigureOut">
               <a:rPr lang="en-US" dirty="0"/>
               <a:pPr/>
-              <a:t>5/19/2021</a:t>
+              <a:t>5/20/2021</a:t>
             </a:fld>
             <a:endParaRPr lang="en-US" dirty="0"/>
           </a:p>
@@ -5478,7 +5478,7 @@
             <a:r>
               <a:rPr lang="pt-BR" sz="5400" b="0" i="0" dirty="0">
                 <a:effectLst/>
-                <a:latin typeface="sohne"/>
+                <a:latin typeface="+mj-lt"/>
               </a:rPr>
               <a:t>Exemplo</a:t>
             </a:r>
@@ -5702,7 +5702,7 @@
             <a:r>
               <a:rPr lang="pt-BR" sz="5400" b="0" i="0" dirty="0">
                 <a:effectLst/>
-                <a:latin typeface="sohne"/>
+                <a:latin typeface="+mj-lt"/>
               </a:rPr>
               <a:t>Exemplo</a:t>
             </a:r>
@@ -5969,16 +5969,13 @@
           </a:bodyPr>
           <a:lstStyle/>
           <a:p>
-            <a:pPr algn="l"/>
+            <a:pPr algn="ctr"/>
             <a:r>
               <a:rPr lang="pt-BR" sz="5400" b="0" i="0" dirty="0">
-                <a:solidFill>
-                  <a:srgbClr val="292929"/>
-                </a:solidFill>
                 <a:effectLst/>
-                <a:latin typeface="sohne"/>
+                <a:latin typeface="+mj-lt"/>
               </a:rPr>
-              <a:t>Segunda Forma Normal</a:t>
+              <a:t>Segunda Forma Normal – 2FN</a:t>
             </a:r>
           </a:p>
         </p:txBody>
@@ -5998,7 +5995,7 @@
         <p:spPr>
           <a:xfrm>
             <a:off x="587829" y="1715788"/>
-            <a:ext cx="10874827" cy="2554545"/>
+            <a:ext cx="10874827" cy="3170099"/>
           </a:xfrm>
           <a:prstGeom prst="rect">
             <a:avLst/>
@@ -6012,11 +6009,8 @@
           <a:p>
             <a:r>
               <a:rPr lang="pt-BR" sz="4000" b="0" i="0" dirty="0">
-                <a:solidFill>
-                  <a:srgbClr val="292929"/>
-                </a:solidFill>
                 <a:effectLst/>
-                <a:latin typeface="charter"/>
+                <a:latin typeface="+mj-lt"/>
               </a:rPr>
               <a:t>Tem que atender a primeira regra normal.</a:t>
             </a:r>
@@ -6024,15 +6018,14 @@
           <a:p>
             <a:r>
               <a:rPr lang="pt-BR" sz="4000" b="0" i="0" dirty="0">
-                <a:solidFill>
-                  <a:srgbClr val="292929"/>
-                </a:solidFill>
                 <a:effectLst/>
-                <a:latin typeface="charter"/>
+                <a:latin typeface="+mj-lt"/>
               </a:rPr>
               <a:t>Os registros na tabela, que não são chaves, devem depender da chave primária em sua totalidade e não apenas parte dela</a:t>
             </a:r>
-            <a:endParaRPr lang="pt-BR" sz="4000" dirty="0"/>
+            <a:endParaRPr lang="pt-BR" sz="4000" dirty="0">
+              <a:latin typeface="+mj-lt"/>
+            </a:endParaRPr>
           </a:p>
         </p:txBody>
       </p:sp>
@@ -6094,14 +6087,11 @@
           </a:bodyPr>
           <a:lstStyle/>
           <a:p>
-            <a:pPr algn="l"/>
+            <a:pPr algn="ctr"/>
             <a:r>
               <a:rPr lang="pt-BR" sz="5400" b="0" i="0" dirty="0">
-                <a:solidFill>
-                  <a:srgbClr val="292929"/>
-                </a:solidFill>
                 <a:effectLst/>
-                <a:latin typeface="sohne"/>
+                <a:latin typeface="+mj-lt"/>
               </a:rPr>
               <a:t>Segunda Forma Normal</a:t>
             </a:r>
@@ -6123,7 +6113,7 @@
         <p:spPr>
           <a:xfrm>
             <a:off x="587829" y="1715788"/>
-            <a:ext cx="10874827" cy="3785652"/>
+            <a:ext cx="10874827" cy="4401205"/>
           </a:xfrm>
           <a:prstGeom prst="rect">
             <a:avLst/>
@@ -6137,11 +6127,8 @@
           <a:p>
             <a:r>
               <a:rPr lang="pt-BR" sz="4000" b="0" i="0" dirty="0">
-                <a:solidFill>
-                  <a:srgbClr val="292929"/>
-                </a:solidFill>
                 <a:effectLst/>
-                <a:latin typeface="charter"/>
+                <a:latin typeface="+mj-lt"/>
               </a:rPr>
               <a:t>1 – Localizar valores que dependam parcialmente da chave primária;</a:t>
             </a:r>
@@ -6149,29 +6136,20 @@
           <a:p>
             <a:r>
               <a:rPr lang="pt-BR" sz="4000" dirty="0">
-                <a:solidFill>
-                  <a:srgbClr val="292929"/>
-                </a:solidFill>
-                <a:latin typeface="charter"/>
+                <a:latin typeface="+mj-lt"/>
               </a:rPr>
               <a:t>2 – C</a:t>
             </a:r>
             <a:r>
               <a:rPr lang="pt-BR" sz="4000" b="0" i="0" dirty="0">
-                <a:solidFill>
-                  <a:srgbClr val="292929"/>
-                </a:solidFill>
                 <a:effectLst/>
-                <a:latin typeface="charter"/>
+                <a:latin typeface="+mj-lt"/>
               </a:rPr>
               <a:t>riar tabelas separadas para conjuntos de valores que se aplicam a vários registros</a:t>
             </a:r>
             <a:r>
               <a:rPr lang="pt-BR" sz="4000" dirty="0">
-                <a:solidFill>
-                  <a:srgbClr val="292929"/>
-                </a:solidFill>
-                <a:latin typeface="charter"/>
+                <a:latin typeface="+mj-lt"/>
               </a:rPr>
               <a:t>;</a:t>
             </a:r>
@@ -6179,24 +6157,20 @@
           <a:p>
             <a:r>
               <a:rPr lang="pt-BR" sz="4000" dirty="0">
-                <a:solidFill>
-                  <a:srgbClr val="292929"/>
-                </a:solidFill>
-                <a:latin typeface="charter"/>
+                <a:latin typeface="+mj-lt"/>
               </a:rPr>
               <a:t>3 - R</a:t>
             </a:r>
             <a:r>
               <a:rPr lang="pt-BR" sz="4000" b="0" i="0" dirty="0">
-                <a:solidFill>
-                  <a:srgbClr val="292929"/>
-                </a:solidFill>
                 <a:effectLst/>
-                <a:latin typeface="charter"/>
+                <a:latin typeface="+mj-lt"/>
               </a:rPr>
               <a:t>elacionar estas tabelas com uma chave estrangeira.</a:t>
             </a:r>
-            <a:endParaRPr lang="pt-BR" sz="4000" dirty="0"/>
+            <a:endParaRPr lang="pt-BR" sz="4000" dirty="0">
+              <a:latin typeface="+mj-lt"/>
+            </a:endParaRPr>
           </a:p>
         </p:txBody>
       </p:sp>
@@ -6258,14 +6232,11 @@
           </a:bodyPr>
           <a:lstStyle/>
           <a:p>
-            <a:pPr algn="l"/>
+            <a:pPr algn="ctr"/>
             <a:r>
               <a:rPr lang="pt-BR" sz="5400" b="0" i="0" dirty="0">
-                <a:solidFill>
-                  <a:srgbClr val="292929"/>
-                </a:solidFill>
                 <a:effectLst/>
-                <a:latin typeface="sohne"/>
+                <a:latin typeface="+mj-lt"/>
               </a:rPr>
               <a:t>Exemplo</a:t>
             </a:r>
@@ -6377,14 +6348,11 @@
           </a:bodyPr>
           <a:lstStyle/>
           <a:p>
-            <a:pPr algn="l"/>
+            <a:pPr algn="ctr"/>
             <a:r>
               <a:rPr lang="pt-BR" sz="5400" b="0" i="0" dirty="0">
-                <a:solidFill>
-                  <a:srgbClr val="292929"/>
-                </a:solidFill>
                 <a:effectLst/>
-                <a:latin typeface="sohne"/>
+                <a:latin typeface="+mj-lt"/>
               </a:rPr>
               <a:t>Exemplo</a:t>
             </a:r>
@@ -6561,7 +6529,7 @@
         <p:spPr>
           <a:xfrm>
             <a:off x="21777" y="5033902"/>
-            <a:ext cx="12192000" cy="923330"/>
+            <a:ext cx="12192000" cy="830997"/>
           </a:xfrm>
           <a:prstGeom prst="rect">
             <a:avLst/>
@@ -6574,14 +6542,11 @@
           </a:bodyPr>
           <a:lstStyle/>
           <a:p>
-            <a:pPr algn="l"/>
-            <a:r>
-              <a:rPr lang="pt-BR" sz="5400" b="0" i="0" dirty="0">
-                <a:solidFill>
-                  <a:srgbClr val="292929"/>
-                </a:solidFill>
+            <a:pPr algn="ctr"/>
+            <a:r>
+              <a:rPr lang="pt-BR" sz="4800" b="0" i="0" dirty="0">
                 <a:effectLst/>
-                <a:latin typeface="sohne"/>
+                <a:latin typeface="+mj-lt"/>
               </a:rPr>
               <a:t>E quando for alterar o nome do filme?</a:t>
             </a:r>
@@ -6646,14 +6611,11 @@
           </a:bodyPr>
           <a:lstStyle/>
           <a:p>
-            <a:pPr algn="l"/>
+            <a:pPr algn="ctr"/>
             <a:r>
               <a:rPr lang="pt-BR" sz="5400" b="0" i="0" dirty="0">
-                <a:solidFill>
-                  <a:srgbClr val="292929"/>
-                </a:solidFill>
                 <a:effectLst/>
-                <a:latin typeface="sohne"/>
+                <a:latin typeface="+mj-lt"/>
               </a:rPr>
               <a:t>Exemplo</a:t>
             </a:r>
@@ -6852,7 +6814,7 @@
         </p:nvSpPr>
         <p:spPr>
           <a:xfrm>
-            <a:off x="0" y="423802"/>
+            <a:off x="0" y="110978"/>
             <a:ext cx="12192000" cy="923330"/>
           </a:xfrm>
           <a:prstGeom prst="rect">
@@ -6866,16 +6828,13 @@
           </a:bodyPr>
           <a:lstStyle/>
           <a:p>
-            <a:pPr algn="l"/>
+            <a:pPr algn="ctr"/>
             <a:r>
               <a:rPr lang="pt-BR" sz="5400" b="0" i="0" dirty="0">
-                <a:solidFill>
-                  <a:srgbClr val="292929"/>
-                </a:solidFill>
                 <a:effectLst/>
-                <a:latin typeface="sohne"/>
+                <a:latin typeface="+mj-lt"/>
               </a:rPr>
-              <a:t>Terceira Forma Normal</a:t>
+              <a:t>Terceira Forma Normal – 3FN</a:t>
             </a:r>
           </a:p>
         </p:txBody>
@@ -6894,8 +6853,8 @@
         </p:nvSpPr>
         <p:spPr>
           <a:xfrm>
-            <a:off x="375558" y="1470860"/>
-            <a:ext cx="10874827" cy="5016758"/>
+            <a:off x="700412" y="941470"/>
+            <a:ext cx="10874827" cy="5632311"/>
           </a:xfrm>
           <a:prstGeom prst="rect">
             <a:avLst/>
@@ -6909,11 +6868,8 @@
           <a:p>
             <a:r>
               <a:rPr lang="pt-BR" sz="4000" b="0" i="0" dirty="0">
-                <a:solidFill>
-                  <a:srgbClr val="292929"/>
-                </a:solidFill>
                 <a:effectLst/>
-                <a:latin typeface="charter"/>
+                <a:latin typeface="+mj-lt"/>
               </a:rPr>
               <a:t>Tem que atender a segunda regra normal.</a:t>
             </a:r>
@@ -6922,75 +6878,56 @@
             <a:pPr algn="l"/>
             <a:r>
               <a:rPr lang="pt-BR" sz="4000" b="0" i="0" dirty="0">
-                <a:solidFill>
-                  <a:srgbClr val="292929"/>
-                </a:solidFill>
                 <a:effectLst/>
-                <a:latin typeface="charter"/>
+                <a:latin typeface="+mj-lt"/>
               </a:rPr>
               <a:t>Se analisarmos uma </a:t>
             </a:r>
             <a:r>
               <a:rPr lang="pt-BR" sz="4000" b="0" i="0" dirty="0" err="1">
-                <a:solidFill>
-                  <a:srgbClr val="292929"/>
-                </a:solidFill>
                 <a:effectLst/>
-                <a:latin typeface="charter"/>
+                <a:latin typeface="+mj-lt"/>
               </a:rPr>
               <a:t>tupla</a:t>
             </a:r>
             <a:r>
               <a:rPr lang="pt-BR" sz="4000" b="0" i="0" dirty="0">
-                <a:solidFill>
-                  <a:srgbClr val="292929"/>
-                </a:solidFill>
                 <a:effectLst/>
-                <a:latin typeface="charter"/>
+                <a:latin typeface="+mj-lt"/>
               </a:rPr>
               <a:t> e não encontrarmos um atributo </a:t>
             </a:r>
             <a:r>
               <a:rPr lang="pt-BR" sz="4000" b="1" i="0" dirty="0">
-                <a:solidFill>
-                  <a:srgbClr val="292929"/>
-                </a:solidFill>
                 <a:effectLst/>
-                <a:latin typeface="charter"/>
+                <a:latin typeface="+mj-lt"/>
               </a:rPr>
               <a:t>não chave</a:t>
             </a:r>
             <a:r>
               <a:rPr lang="pt-BR" sz="4000" b="0" i="0" dirty="0">
-                <a:solidFill>
-                  <a:srgbClr val="292929"/>
-                </a:solidFill>
                 <a:effectLst/>
-                <a:latin typeface="charter"/>
+                <a:latin typeface="+mj-lt"/>
               </a:rPr>
               <a:t> dependente de outro atributo </a:t>
             </a:r>
             <a:r>
               <a:rPr lang="pt-BR" sz="4000" b="1" i="0" dirty="0">
-                <a:solidFill>
-                  <a:srgbClr val="292929"/>
-                </a:solidFill>
                 <a:effectLst/>
-                <a:latin typeface="charter"/>
+                <a:latin typeface="+mj-lt"/>
               </a:rPr>
               <a:t>não chave</a:t>
             </a:r>
             <a:r>
               <a:rPr lang="pt-BR" sz="4000" b="0" i="0" dirty="0">
-                <a:solidFill>
-                  <a:srgbClr val="292929"/>
-                </a:solidFill>
                 <a:effectLst/>
-                <a:latin typeface="charter"/>
+                <a:latin typeface="+mj-lt"/>
               </a:rPr>
               <a:t>, podemos dizer que a entidade em questão está na terceira forma normal - contanto que esta não vá de encontro as especificações da primeira e da segunda forma normal.</a:t>
             </a:r>
-            <a:endParaRPr lang="pt-BR" sz="4000" dirty="0"/>
+            <a:endParaRPr lang="pt-BR" sz="4000" dirty="0">
+              <a:latin typeface="+mj-lt"/>
+            </a:endParaRPr>
           </a:p>
         </p:txBody>
       </p:sp>
@@ -7052,14 +6989,11 @@
           </a:bodyPr>
           <a:lstStyle/>
           <a:p>
-            <a:pPr algn="l"/>
+            <a:pPr algn="ctr"/>
             <a:r>
               <a:rPr lang="pt-BR" sz="5400" b="0" i="0" dirty="0">
-                <a:solidFill>
-                  <a:srgbClr val="292929"/>
-                </a:solidFill>
                 <a:effectLst/>
-                <a:latin typeface="sohne"/>
+                <a:latin typeface="+mj-lt"/>
               </a:rPr>
               <a:t>Terceira Forma Normal</a:t>
             </a:r>
@@ -7080,8 +7014,8 @@
         </p:nvSpPr>
         <p:spPr>
           <a:xfrm>
-            <a:off x="375558" y="1470860"/>
-            <a:ext cx="10874827" cy="3170099"/>
+            <a:off x="796663" y="1771650"/>
+            <a:ext cx="10874827" cy="3785652"/>
           </a:xfrm>
           <a:prstGeom prst="rect">
             <a:avLst/>
@@ -7096,11 +7030,8 @@
             <a:pPr algn="l"/>
             <a:r>
               <a:rPr lang="pt-BR" sz="4000" b="0" i="0" dirty="0">
-                <a:solidFill>
-                  <a:srgbClr val="292929"/>
-                </a:solidFill>
                 <a:effectLst/>
-                <a:latin typeface="charter"/>
+                <a:latin typeface="+mj-lt"/>
               </a:rPr>
               <a:t>1 – Identificar os campos que não dependem da chave primária e dependem de um outro campo não chave</a:t>
             </a:r>
@@ -7109,15 +7040,14 @@
             <a:pPr algn="l"/>
             <a:r>
               <a:rPr lang="pt-BR" sz="4000" b="0" i="0" dirty="0">
-                <a:solidFill>
-                  <a:srgbClr val="292929"/>
-                </a:solidFill>
                 <a:effectLst/>
-                <a:latin typeface="charter"/>
+                <a:latin typeface="+mj-lt"/>
               </a:rPr>
               <a:t>2 - separamos eles para criar uma outra tabela distinta, se necessário</a:t>
             </a:r>
-            <a:endParaRPr lang="pt-BR" sz="4000" dirty="0"/>
+            <a:endParaRPr lang="pt-BR" sz="4000" dirty="0">
+              <a:latin typeface="+mj-lt"/>
+            </a:endParaRPr>
           </a:p>
         </p:txBody>
       </p:sp>
@@ -7179,14 +7109,11 @@
           </a:bodyPr>
           <a:lstStyle/>
           <a:p>
-            <a:pPr algn="l"/>
+            <a:pPr algn="ctr"/>
             <a:r>
               <a:rPr lang="pt-BR" sz="5400" b="0" i="0" dirty="0">
-                <a:solidFill>
-                  <a:srgbClr val="292929"/>
-                </a:solidFill>
                 <a:effectLst/>
-                <a:latin typeface="sohne"/>
+                <a:latin typeface="+mj-lt"/>
               </a:rPr>
               <a:t>Exemplo</a:t>
             </a:r>
@@ -7222,7 +7149,7 @@
         </p:blipFill>
         <p:spPr bwMode="auto">
           <a:xfrm>
-            <a:off x="2067927" y="1574942"/>
+            <a:off x="3355306" y="2513405"/>
             <a:ext cx="7026407" cy="1297442"/>
           </a:xfrm>
           <a:prstGeom prst="rect">
@@ -7240,6 +7167,60 @@
           </a:extLst>
         </p:spPr>
       </p:pic>
+      <p:sp>
+        <p:nvSpPr>
+          <p:cNvPr id="4" name="Retângulo 3">
+            <a:extLst>
+              <a:ext uri="{FF2B5EF4-FFF2-40B4-BE49-F238E27FC236}">
+                <a16:creationId xmlns:a16="http://schemas.microsoft.com/office/drawing/2014/main" id="{0867A256-F97B-450B-B259-9417572A7440}"/>
+              </a:ext>
+            </a:extLst>
+          </p:cNvPr>
+          <p:cNvSpPr/>
+          <p:nvPr/>
+        </p:nvSpPr>
+        <p:spPr>
+          <a:xfrm>
+            <a:off x="8912822" y="2513404"/>
+            <a:ext cx="1468892" cy="1297441"/>
+          </a:xfrm>
+          <a:prstGeom prst="rect">
+            <a:avLst/>
+          </a:prstGeom>
+          <a:noFill/>
+          <a:ln w="38100" cap="flat" cmpd="sng" algn="ctr">
+            <a:solidFill>
+              <a:srgbClr val="FF0000"/>
+            </a:solidFill>
+            <a:prstDash val="solid"/>
+            <a:round/>
+            <a:headEnd type="none" w="med" len="med"/>
+            <a:tailEnd type="none" w="med" len="med"/>
+          </a:ln>
+        </p:spPr>
+        <p:style>
+          <a:lnRef idx="0">
+            <a:scrgbClr r="0" g="0" b="0"/>
+          </a:lnRef>
+          <a:fillRef idx="0">
+            <a:scrgbClr r="0" g="0" b="0"/>
+          </a:fillRef>
+          <a:effectRef idx="0">
+            <a:scrgbClr r="0" g="0" b="0"/>
+          </a:effectRef>
+          <a:fontRef idx="minor">
+            <a:schemeClr val="accent6"/>
+          </a:fontRef>
+        </p:style>
+        <p:txBody>
+          <a:bodyPr rtlCol="0" anchor="ctr"/>
+          <a:lstStyle/>
+          <a:p>
+            <a:pPr algn="ctr"/>
+            <a:endParaRPr lang="pt-BR"/>
+          </a:p>
+        </p:txBody>
+      </p:sp>
     </p:spTree>
     <p:extLst>
       <p:ext uri="{BB962C8B-B14F-4D97-AF65-F5344CB8AC3E}">
@@ -7524,14 +7505,11 @@
           </a:bodyPr>
           <a:lstStyle/>
           <a:p>
-            <a:pPr algn="l"/>
+            <a:pPr algn="ctr"/>
             <a:r>
               <a:rPr lang="pt-BR" sz="5400" b="0" i="0" dirty="0">
-                <a:solidFill>
-                  <a:srgbClr val="292929"/>
-                </a:solidFill>
                 <a:effectLst/>
-                <a:latin typeface="sohne"/>
+                <a:latin typeface="+mj-lt"/>
               </a:rPr>
               <a:t>Exemplo</a:t>
             </a:r>
@@ -7770,41 +7748,6 @@
       </p:grpSpPr>
       <p:sp>
         <p:nvSpPr>
-          <p:cNvPr id="9" name="CaixaDeTexto 8">
-            <a:extLst>
-              <a:ext uri="{FF2B5EF4-FFF2-40B4-BE49-F238E27FC236}">
-                <a16:creationId xmlns:a16="http://schemas.microsoft.com/office/drawing/2014/main" id="{7A02424A-D3F7-49ED-9272-AE38106E51E9}"/>
-              </a:ext>
-            </a:extLst>
-          </p:cNvPr>
-          <p:cNvSpPr txBox="1"/>
-          <p:nvPr/>
-        </p:nvSpPr>
-        <p:spPr>
-          <a:xfrm>
-            <a:off x="1667544" y="48243"/>
-            <a:ext cx="8856912" cy="923330"/>
-          </a:xfrm>
-          <a:prstGeom prst="rect">
-            <a:avLst/>
-          </a:prstGeom>
-          <a:noFill/>
-        </p:spPr>
-        <p:txBody>
-          <a:bodyPr wrap="none" rtlCol="0">
-            <a:spAutoFit/>
-          </a:bodyPr>
-          <a:lstStyle/>
-          <a:p>
-            <a:r>
-              <a:rPr lang="pt-BR" sz="5400" dirty="0"/>
-              <a:t>Preparação do ambiente</a:t>
-            </a:r>
-          </a:p>
-        </p:txBody>
-      </p:sp>
-      <p:sp>
-        <p:nvSpPr>
           <p:cNvPr id="4" name="Rectangle 2">
             <a:extLst>
               <a:ext uri="{FF2B5EF4-FFF2-40B4-BE49-F238E27FC236}">
@@ -7901,6 +7844,42 @@
               <a:effectLst/>
               <a:latin typeface="+mj-lt"/>
             </a:endParaRPr>
+          </a:p>
+        </p:txBody>
+      </p:sp>
+      <p:sp>
+        <p:nvSpPr>
+          <p:cNvPr id="5" name="CaixaDeTexto 4">
+            <a:extLst>
+              <a:ext uri="{FF2B5EF4-FFF2-40B4-BE49-F238E27FC236}">
+                <a16:creationId xmlns:a16="http://schemas.microsoft.com/office/drawing/2014/main" id="{C036BD3F-ECB4-484E-8521-C6445390E9A8}"/>
+              </a:ext>
+            </a:extLst>
+          </p:cNvPr>
+          <p:cNvSpPr txBox="1"/>
+          <p:nvPr/>
+        </p:nvSpPr>
+        <p:spPr>
+          <a:xfrm>
+            <a:off x="0" y="63707"/>
+            <a:ext cx="12192000" cy="923330"/>
+          </a:xfrm>
+          <a:prstGeom prst="rect">
+            <a:avLst/>
+          </a:prstGeom>
+          <a:noFill/>
+        </p:spPr>
+        <p:txBody>
+          <a:bodyPr wrap="square" rtlCol="0">
+            <a:spAutoFit/>
+          </a:bodyPr>
+          <a:lstStyle/>
+          <a:p>
+            <a:pPr algn="ctr"/>
+            <a:r>
+              <a:rPr lang="pt-BR" sz="5400" dirty="0"/>
+              <a:t>Normalização</a:t>
+            </a:r>
           </a:p>
         </p:txBody>
       </p:sp>
@@ -7948,8 +7927,8 @@
         </p:nvSpPr>
         <p:spPr>
           <a:xfrm>
-            <a:off x="1667544" y="423802"/>
-            <a:ext cx="3520516" cy="923330"/>
+            <a:off x="0" y="423802"/>
+            <a:ext cx="12192000" cy="923330"/>
           </a:xfrm>
           <a:prstGeom prst="rect">
             <a:avLst/>
@@ -7957,11 +7936,12 @@
           <a:noFill/>
         </p:spPr>
         <p:txBody>
-          <a:bodyPr wrap="none" rtlCol="0">
+          <a:bodyPr wrap="square" rtlCol="0">
             <a:spAutoFit/>
           </a:bodyPr>
           <a:lstStyle/>
           <a:p>
+            <a:pPr algn="ctr"/>
             <a:r>
               <a:rPr lang="pt-BR" sz="5400" dirty="0"/>
               <a:t>Objetivos:</a:t>
@@ -7983,8 +7963,8 @@
         </p:nvSpPr>
         <p:spPr>
           <a:xfrm>
-            <a:off x="1835260" y="1536174"/>
-            <a:ext cx="8137071" cy="4401205"/>
+            <a:off x="770022" y="1536174"/>
+            <a:ext cx="10756232" cy="4401205"/>
           </a:xfrm>
           <a:prstGeom prst="rect">
             <a:avLst/>
@@ -8002,18 +7982,30 @@
             </a:r>
           </a:p>
           <a:p>
+            <a:pPr marL="571500" indent="-571500">
+              <a:buFont typeface="Wingdings" panose="05000000000000000000" pitchFamily="2" charset="2"/>
+              <a:buChar char="Ø"/>
+            </a:pPr>
             <a:r>
               <a:rPr lang="pt-BR" sz="4000" dirty="0"/>
               <a:t>Evitar desperdício de espaço de armazenamento</a:t>
             </a:r>
           </a:p>
           <a:p>
+            <a:pPr marL="571500" indent="-571500">
+              <a:buFont typeface="Wingdings" panose="05000000000000000000" pitchFamily="2" charset="2"/>
+              <a:buChar char="Ø"/>
+            </a:pPr>
             <a:r>
               <a:rPr lang="pt-BR" sz="4000" dirty="0"/>
               <a:t>Reduzir o uso de recursos de memória, processamento, etc.</a:t>
             </a:r>
           </a:p>
           <a:p>
+            <a:pPr marL="571500" indent="-571500">
+              <a:buFont typeface="Wingdings" panose="05000000000000000000" pitchFamily="2" charset="2"/>
+              <a:buChar char="Ø"/>
+            </a:pPr>
             <a:r>
               <a:rPr lang="pt-BR" sz="4000" dirty="0"/>
               <a:t>Melhora a velocidade de recuperação de dados (*)</a:t>
@@ -8083,7 +8075,7 @@
             <a:r>
               <a:rPr lang="pt-BR" sz="5400" b="0" i="0" dirty="0">
                 <a:effectLst/>
-                <a:latin typeface="sohne"/>
+                <a:latin typeface="+mj-lt"/>
               </a:rPr>
               <a:t>Formas Normais</a:t>
             </a:r>
@@ -8105,7 +8097,7 @@
         <p:spPr>
           <a:xfrm>
             <a:off x="587829" y="1715788"/>
-            <a:ext cx="10874827" cy="3785652"/>
+            <a:ext cx="10874827" cy="4401205"/>
           </a:xfrm>
           <a:prstGeom prst="rect">
             <a:avLst/>
@@ -8117,14 +8109,17 @@
           </a:bodyPr>
           <a:lstStyle/>
           <a:p>
+            <a:pPr algn="just"/>
             <a:r>
               <a:rPr lang="pt-BR" sz="4000" b="0" i="0" dirty="0">
                 <a:effectLst/>
-                <a:latin typeface="charter"/>
+                <a:latin typeface="+mj-lt"/>
               </a:rPr>
               <a:t>É importante lembrar que para uma relação atender as exigências de uma forma normal, se faz necessário que esta obedeça as regras da forma normal anterior. A primeira forma normal é exceção pois não existe uma forma normal anterior a primeira.</a:t>
             </a:r>
-            <a:endParaRPr lang="pt-BR" sz="4000" dirty="0"/>
+            <a:endParaRPr lang="pt-BR" sz="4000" dirty="0">
+              <a:latin typeface="+mj-lt"/>
+            </a:endParaRPr>
           </a:p>
         </p:txBody>
       </p:sp>
@@ -8189,11 +8184,8 @@
             <a:pPr algn="ctr"/>
             <a:r>
               <a:rPr lang="pt-BR" sz="5400" b="0" i="0" dirty="0">
-                <a:solidFill>
-                  <a:srgbClr val="292929"/>
-                </a:solidFill>
                 <a:effectLst/>
-                <a:latin typeface="sohne"/>
+                <a:latin typeface="+mj-lt"/>
               </a:rPr>
               <a:t>Primeira Forma Normal</a:t>
             </a:r>
@@ -8215,7 +8207,7 @@
         <p:spPr>
           <a:xfrm>
             <a:off x="587829" y="1715788"/>
-            <a:ext cx="10874827" cy="3785652"/>
+            <a:ext cx="10874827" cy="4401205"/>
           </a:xfrm>
           <a:prstGeom prst="rect">
             <a:avLst/>
@@ -8229,15 +8221,14 @@
           <a:p>
             <a:r>
               <a:rPr lang="pt-BR" sz="4000" b="0" i="0" dirty="0">
-                <a:solidFill>
-                  <a:srgbClr val="292929"/>
-                </a:solidFill>
                 <a:effectLst/>
-                <a:latin typeface="charter"/>
+                <a:latin typeface="+mj-lt"/>
               </a:rPr>
               <a:t>Uma relação está na primeira forma normal quando todos os atributos contém apenas um valor correspondente, singular e não existem grupos de atributos repetidos — ou seja, não admite repetições ou campos que tenham mais que um valor.</a:t>
             </a:r>
-            <a:endParaRPr lang="pt-BR" sz="4000" dirty="0"/>
+            <a:endParaRPr lang="pt-BR" sz="4000" dirty="0">
+              <a:latin typeface="+mj-lt"/>
+            </a:endParaRPr>
           </a:p>
         </p:txBody>
       </p:sp>
@@ -8302,13 +8293,10 @@
             <a:pPr algn="ctr"/>
             <a:r>
               <a:rPr lang="pt-BR" sz="5400" b="0" i="0" dirty="0">
-                <a:solidFill>
-                  <a:srgbClr val="292929"/>
-                </a:solidFill>
                 <a:effectLst/>
-                <a:latin typeface="sohne"/>
+                <a:latin typeface="+mj-lt"/>
               </a:rPr>
-              <a:t>Primeira Forma Normal</a:t>
+              <a:t>Primeira Forma Normal – 1FN</a:t>
             </a:r>
           </a:p>
         </p:txBody>
@@ -8328,7 +8316,7 @@
         <p:spPr>
           <a:xfrm>
             <a:off x="587829" y="1715788"/>
-            <a:ext cx="10874827" cy="3170099"/>
+            <a:ext cx="10874827" cy="3785652"/>
           </a:xfrm>
           <a:prstGeom prst="rect">
             <a:avLst/>
@@ -8343,27 +8331,27 @@
             <a:r>
               <a:rPr lang="pt-BR" sz="4000" b="0" i="0" dirty="0">
                 <a:effectLst/>
-                <a:latin typeface="charter"/>
+                <a:latin typeface="+mj-lt"/>
               </a:rPr>
-              <a:t>1 – Identificar a chave primária</a:t>
-            </a:r>
-          </a:p>
-          <a:p>
+              <a:t>1 – Identificar a chave primária;</a:t>
+            </a:r>
+          </a:p>
+          <a:p>
+            <a:pPr algn="just"/>
             <a:r>
               <a:rPr lang="pt-BR" sz="4000" dirty="0">
-                <a:latin typeface="charter"/>
+                <a:latin typeface="+mj-lt"/>
               </a:rPr>
-              <a:t>2 – Reconhecer grupos repetidos e removê-lo da entidade</a:t>
+              <a:t>2 – Reconhecer grupos repetidos e removê-lo da entidade;</a:t>
             </a:r>
           </a:p>
           <a:p>
             <a:r>
               <a:rPr lang="pt-BR" sz="4000" dirty="0">
-                <a:latin typeface="charter"/>
+                <a:latin typeface="+mj-lt"/>
               </a:rPr>
-              <a:t>3 – Criar uma nova tabela coma chave primária da tabela anterior e o grupo repetido</a:t>
-            </a:r>
-            <a:endParaRPr lang="pt-BR" sz="4000" dirty="0"/>
+              <a:t>3 – Criar uma nova tabela coma chave primária da tabela anterior e o grupo repetido.</a:t>
+            </a:r>
           </a:p>
         </p:txBody>
       </p:sp>
@@ -8429,7 +8417,7 @@
             <a:r>
               <a:rPr lang="pt-BR" sz="5400" b="0" i="0" dirty="0">
                 <a:effectLst/>
-                <a:latin typeface="sohne"/>
+                <a:latin typeface="+mj-lt"/>
               </a:rPr>
               <a:t>Exemplo</a:t>
             </a:r>

--- a/BDIIIA10.pptx
+++ b/BDIIIA10.pptx
@@ -6125,6 +6125,7 @@
           </a:bodyPr>
           <a:lstStyle/>
           <a:p>
+            <a:pPr algn="just"/>
             <a:r>
               <a:rPr lang="pt-BR" sz="4000" b="0" i="0" dirty="0">
                 <a:effectLst/>
@@ -6134,6 +6135,7 @@
             </a:r>
           </a:p>
           <a:p>
+            <a:pPr algn="just"/>
             <a:r>
               <a:rPr lang="pt-BR" sz="4000" dirty="0">
                 <a:latin typeface="+mj-lt"/>
@@ -6155,6 +6157,7 @@
             </a:r>
           </a:p>
           <a:p>
+            <a:pPr algn="just"/>
             <a:r>
               <a:rPr lang="pt-BR" sz="4000" dirty="0">
                 <a:latin typeface="+mj-lt"/>
@@ -6651,8 +6654,8 @@
         </p:blipFill>
         <p:spPr bwMode="auto">
           <a:xfrm>
-            <a:off x="881063" y="2620736"/>
-            <a:ext cx="3476625" cy="742950"/>
+            <a:off x="2336885" y="4317187"/>
+            <a:ext cx="6090629" cy="1301559"/>
           </a:xfrm>
           <a:prstGeom prst="rect">
             <a:avLst/>
@@ -6683,8 +6686,8 @@
         </p:nvSpPr>
         <p:spPr>
           <a:xfrm>
-            <a:off x="2596242" y="2620737"/>
-            <a:ext cx="1761445" cy="742950"/>
+            <a:off x="5382199" y="4285173"/>
+            <a:ext cx="3045315" cy="1301559"/>
           </a:xfrm>
           <a:prstGeom prst="rect">
             <a:avLst/>
@@ -6752,8 +6755,8 @@
         </p:blipFill>
         <p:spPr bwMode="auto">
           <a:xfrm>
-            <a:off x="5106081" y="2620736"/>
-            <a:ext cx="3971925" cy="952500"/>
+            <a:off x="1946408" y="1874777"/>
+            <a:ext cx="7283852" cy="1746727"/>
           </a:xfrm>
           <a:prstGeom prst="rect">
             <a:avLst/>
@@ -7027,7 +7030,7 @@
           </a:bodyPr>
           <a:lstStyle/>
           <a:p>
-            <a:pPr algn="l"/>
+            <a:pPr algn="just"/>
             <a:r>
               <a:rPr lang="pt-BR" sz="4000" b="0" i="0" dirty="0">
                 <a:effectLst/>
@@ -7037,13 +7040,13 @@
             </a:r>
           </a:p>
           <a:p>
-            <a:pPr algn="l"/>
+            <a:pPr algn="just"/>
             <a:r>
               <a:rPr lang="pt-BR" sz="4000" b="0" i="0" dirty="0">
                 <a:effectLst/>
                 <a:latin typeface="+mj-lt"/>
               </a:rPr>
-              <a:t>2 - separamos eles para criar uma outra tabela distinta, se necessário</a:t>
+              <a:t>2 - Separamos eles para criar uma outra tabela distinta, se necessário</a:t>
             </a:r>
             <a:endParaRPr lang="pt-BR" sz="4000" dirty="0">
               <a:latin typeface="+mj-lt"/>
@@ -7545,7 +7548,7 @@
         </p:blipFill>
         <p:spPr bwMode="auto">
           <a:xfrm>
-            <a:off x="2404174" y="1687308"/>
+            <a:off x="2404174" y="1910549"/>
             <a:ext cx="6588003" cy="1400175"/>
           </a:xfrm>
           <a:prstGeom prst="rect">
@@ -7592,8 +7595,8 @@
         </p:blipFill>
         <p:spPr bwMode="auto">
           <a:xfrm>
-            <a:off x="3480972" y="4247363"/>
-            <a:ext cx="4434409" cy="923329"/>
+            <a:off x="3033739" y="4143498"/>
+            <a:ext cx="5532745" cy="1152024"/>
           </a:xfrm>
           <a:prstGeom prst="rect">
             <a:avLst/>
@@ -8187,7 +8190,7 @@
                 <a:effectLst/>
                 <a:latin typeface="+mj-lt"/>
               </a:rPr>
-              <a:t>Primeira Forma Normal</a:t>
+              <a:t>Primeira Forma Normal – 1FN</a:t>
             </a:r>
           </a:p>
         </p:txBody>
@@ -8350,7 +8353,7 @@
               <a:rPr lang="pt-BR" sz="4000" dirty="0">
                 <a:latin typeface="+mj-lt"/>
               </a:rPr>
-              <a:t>3 – Criar uma nova tabela coma chave primária da tabela anterior e o grupo repetido.</a:t>
+              <a:t>3 – Criar uma nova tabela com a chave primária da tabela anterior e o grupo repetido.</a:t>
             </a:r>
           </a:p>
         </p:txBody>
